--- a/Capstone Presentation/Capstone Powerpoint Presentation.pptx
+++ b/Capstone Presentation/Capstone Powerpoint Presentation.pptx
@@ -5,7 +5,7 @@
     <p:sldMasterId id="2147483660" r:id="rId1"/>
   </p:sldMasterIdLst>
   <p:notesMasterIdLst>
-    <p:notesMasterId r:id="rId12"/>
+    <p:notesMasterId r:id="rId10"/>
   </p:notesMasterIdLst>
   <p:sldIdLst>
     <p:sldId id="258" r:id="rId2"/>
@@ -16,8 +16,6 @@
     <p:sldId id="263" r:id="rId7"/>
     <p:sldId id="264" r:id="rId8"/>
     <p:sldId id="265" r:id="rId9"/>
-    <p:sldId id="266" r:id="rId10"/>
-    <p:sldId id="257" r:id="rId11"/>
   </p:sldIdLst>
   <p:sldSz cx="12192000" cy="6858000"/>
   <p:notesSz cx="6858000" cy="9144000"/>
@@ -253,7 +251,7 @@
           <a:p>
             <a:fld id="{53D4854A-42A0-4397-87B0-048234EFD782}" type="datetimeFigureOut">
               <a:rPr lang="en-US" smtClean="0"/>
-              <a:t>4/30/2020</a:t>
+              <a:t>5/5/2020</a:t>
             </a:fld>
             <a:endParaRPr lang="en-US"/>
           </a:p>
@@ -1369,7 +1367,7 @@
           <a:p>
             <a:fld id="{2F9D6852-2C78-4C7B-9971-572FDF40176A}" type="datetimeFigureOut">
               <a:rPr lang="en-US" smtClean="0"/>
-              <a:t>4/30/2020</a:t>
+              <a:t>5/5/2020</a:t>
             </a:fld>
             <a:endParaRPr lang="en-US"/>
           </a:p>
@@ -1580,7 +1578,7 @@
           <a:p>
             <a:fld id="{2F9D6852-2C78-4C7B-9971-572FDF40176A}" type="datetimeFigureOut">
               <a:rPr lang="en-US" smtClean="0"/>
-              <a:t>4/30/2020</a:t>
+              <a:t>5/5/2020</a:t>
             </a:fld>
             <a:endParaRPr lang="en-US"/>
           </a:p>
@@ -1795,7 +1793,7 @@
           <a:p>
             <a:fld id="{2F9D6852-2C78-4C7B-9971-572FDF40176A}" type="datetimeFigureOut">
               <a:rPr lang="en-US" smtClean="0"/>
-              <a:t>4/30/2020</a:t>
+              <a:t>5/5/2020</a:t>
             </a:fld>
             <a:endParaRPr lang="en-US"/>
           </a:p>
@@ -1996,7 +1994,7 @@
           <a:p>
             <a:fld id="{2F9D6852-2C78-4C7B-9971-572FDF40176A}" type="datetimeFigureOut">
               <a:rPr lang="en-US" smtClean="0"/>
-              <a:t>4/30/2020</a:t>
+              <a:t>5/5/2020</a:t>
             </a:fld>
             <a:endParaRPr lang="en-US"/>
           </a:p>
@@ -2275,7 +2273,7 @@
           <a:p>
             <a:fld id="{2F9D6852-2C78-4C7B-9971-572FDF40176A}" type="datetimeFigureOut">
               <a:rPr lang="en-US" smtClean="0"/>
-              <a:t>4/30/2020</a:t>
+              <a:t>5/5/2020</a:t>
             </a:fld>
             <a:endParaRPr lang="en-US"/>
           </a:p>
@@ -2543,7 +2541,7 @@
           <a:p>
             <a:fld id="{2F9D6852-2C78-4C7B-9971-572FDF40176A}" type="datetimeFigureOut">
               <a:rPr lang="en-US" smtClean="0"/>
-              <a:t>4/30/2020</a:t>
+              <a:t>5/5/2020</a:t>
             </a:fld>
             <a:endParaRPr lang="en-US"/>
           </a:p>
@@ -2959,7 +2957,7 @@
           <a:p>
             <a:fld id="{2F9D6852-2C78-4C7B-9971-572FDF40176A}" type="datetimeFigureOut">
               <a:rPr lang="en-US" smtClean="0"/>
-              <a:t>4/30/2020</a:t>
+              <a:t>5/5/2020</a:t>
             </a:fld>
             <a:endParaRPr lang="en-US"/>
           </a:p>
@@ -3108,7 +3106,7 @@
           <a:p>
             <a:fld id="{2F9D6852-2C78-4C7B-9971-572FDF40176A}" type="datetimeFigureOut">
               <a:rPr lang="en-US" smtClean="0"/>
-              <a:t>4/30/2020</a:t>
+              <a:t>5/5/2020</a:t>
             </a:fld>
             <a:endParaRPr lang="en-US"/>
           </a:p>
@@ -3234,7 +3232,7 @@
           <a:p>
             <a:fld id="{2F9D6852-2C78-4C7B-9971-572FDF40176A}" type="datetimeFigureOut">
               <a:rPr lang="en-US" smtClean="0"/>
-              <a:t>4/30/2020</a:t>
+              <a:t>5/5/2020</a:t>
             </a:fld>
             <a:endParaRPr lang="en-US"/>
           </a:p>
@@ -3485,7 +3483,7 @@
           <a:p>
             <a:fld id="{2F9D6852-2C78-4C7B-9971-572FDF40176A}" type="datetimeFigureOut">
               <a:rPr lang="en-US" smtClean="0"/>
-              <a:t>4/30/2020</a:t>
+              <a:t>5/5/2020</a:t>
             </a:fld>
             <a:endParaRPr lang="en-US"/>
           </a:p>
@@ -3930,7 +3928,7 @@
           <a:p>
             <a:fld id="{2F9D6852-2C78-4C7B-9971-572FDF40176A}" type="datetimeFigureOut">
               <a:rPr lang="en-US" smtClean="0"/>
-              <a:t>4/30/2020</a:t>
+              <a:t>5/5/2020</a:t>
             </a:fld>
             <a:endParaRPr lang="en-US"/>
           </a:p>
@@ -4257,7 +4255,7 @@
           <a:p>
             <a:fld id="{2F9D6852-2C78-4C7B-9971-572FDF40176A}" type="datetimeFigureOut">
               <a:rPr lang="en-US" smtClean="0"/>
-              <a:t>4/30/2020</a:t>
+              <a:t>5/5/2020</a:t>
             </a:fld>
             <a:endParaRPr lang="en-US"/>
           </a:p>
@@ -5167,192 +5165,6 @@
 </p:sld>
 </file>
 
-<file path=ppt/slides/slide10.xml><?xml version="1.0" encoding="utf-8"?>
-<p:sld xmlns:a="http://schemas.openxmlformats.org/drawingml/2006/main" xmlns:r="http://schemas.openxmlformats.org/officeDocument/2006/relationships" xmlns:p="http://schemas.openxmlformats.org/presentationml/2006/main">
-  <p:cSld>
-    <p:spTree>
-      <p:nvGrpSpPr>
-        <p:cNvPr id="1" name=""/>
-        <p:cNvGrpSpPr/>
-        <p:nvPr/>
-      </p:nvGrpSpPr>
-      <p:grpSpPr>
-        <a:xfrm>
-          <a:off x="0" y="0"/>
-          <a:ext cx="0" cy="0"/>
-          <a:chOff x="0" y="0"/>
-          <a:chExt cx="0" cy="0"/>
-        </a:xfrm>
-      </p:grpSpPr>
-      <p:sp>
-        <p:nvSpPr>
-          <p:cNvPr id="2" name="Title 1">
-            <a:extLst>
-              <a:ext uri="{FF2B5EF4-FFF2-40B4-BE49-F238E27FC236}">
-                <a16:creationId xmlns:a16="http://schemas.microsoft.com/office/drawing/2014/main" id="{CFDA91DD-64B6-4541-BB0D-1E0F83282505}"/>
-              </a:ext>
-            </a:extLst>
-          </p:cNvPr>
-          <p:cNvSpPr>
-            <a:spLocks noGrp="1"/>
-          </p:cNvSpPr>
-          <p:nvPr>
-            <p:ph type="title"/>
-          </p:nvPr>
-        </p:nvSpPr>
-        <p:spPr>
-          <a:xfrm>
-            <a:off x="645419" y="5225"/>
-            <a:ext cx="10664732" cy="1131117"/>
-          </a:xfrm>
-        </p:spPr>
-        <p:txBody>
-          <a:bodyPr>
-            <a:noAutofit/>
-          </a:bodyPr>
-          <a:lstStyle/>
-          <a:p>
-            <a:br>
-              <a:rPr lang="en-US" dirty="0"/>
-            </a:br>
-            <a:br>
-              <a:rPr lang="en-US" dirty="0"/>
-            </a:br>
-            <a:br>
-              <a:rPr lang="en-US" dirty="0"/>
-            </a:br>
-            <a:br>
-              <a:rPr lang="en-US" dirty="0"/>
-            </a:br>
-            <a:br>
-              <a:rPr lang="en-US" dirty="0"/>
-            </a:br>
-            <a:br>
-              <a:rPr lang="en-US" dirty="0"/>
-            </a:br>
-            <a:r>
-              <a:rPr lang="en-US" dirty="0"/>
-              <a:t>Capstone Presentation Outline</a:t>
-            </a:r>
-          </a:p>
-        </p:txBody>
-      </p:sp>
-      <p:sp>
-        <p:nvSpPr>
-          <p:cNvPr id="3" name="Text Placeholder 2">
-            <a:extLst>
-              <a:ext uri="{FF2B5EF4-FFF2-40B4-BE49-F238E27FC236}">
-                <a16:creationId xmlns:a16="http://schemas.microsoft.com/office/drawing/2014/main" id="{18261193-47E4-46F0-B14D-E6601D427743}"/>
-              </a:ext>
-            </a:extLst>
-          </p:cNvPr>
-          <p:cNvSpPr>
-            <a:spLocks noGrp="1"/>
-          </p:cNvSpPr>
-          <p:nvPr>
-            <p:ph type="body" idx="1"/>
-          </p:nvPr>
-        </p:nvSpPr>
-        <p:spPr>
-          <a:xfrm>
-            <a:off x="645419" y="1260629"/>
-            <a:ext cx="10515600" cy="5397623"/>
-          </a:xfrm>
-        </p:spPr>
-        <p:txBody>
-          <a:bodyPr/>
-          <a:lstStyle/>
-          <a:p>
-            <a:pPr marL="342900" indent="-342900">
-              <a:buFont typeface="Arial" panose="020B0604020202020204" pitchFamily="34" charset="0"/>
-              <a:buChar char="•"/>
-            </a:pPr>
-            <a:r>
-              <a:rPr lang="en-US" dirty="0"/>
-              <a:t>Introduction to capstone. </a:t>
-            </a:r>
-          </a:p>
-          <a:p>
-            <a:pPr marL="342900" indent="-342900">
-              <a:buFont typeface="Arial" panose="020B0604020202020204" pitchFamily="34" charset="0"/>
-              <a:buChar char="•"/>
-            </a:pPr>
-            <a:r>
-              <a:rPr lang="en-US" dirty="0"/>
-              <a:t>Explain the what was tested specifically on </a:t>
-            </a:r>
-            <a:r>
-              <a:rPr lang="en-US" dirty="0" err="1"/>
-              <a:t>petclinic</a:t>
-            </a:r>
-            <a:r>
-              <a:rPr lang="en-US" dirty="0"/>
-              <a:t> website. Include some of the tools you used as well as any hiccups you may have ran into. Follow test plan if you lose yourself and need a reference. </a:t>
-            </a:r>
-          </a:p>
-          <a:p>
-            <a:pPr marL="342900" indent="-342900">
-              <a:buFont typeface="Arial" panose="020B0604020202020204" pitchFamily="34" charset="0"/>
-              <a:buChar char="•"/>
-            </a:pPr>
-            <a:r>
-              <a:rPr lang="en-US" dirty="0"/>
-              <a:t>When going through automation testing ensure you show the use of both ruby and </a:t>
-            </a:r>
-            <a:r>
-              <a:rPr lang="en-US" dirty="0" err="1"/>
-              <a:t>katalon</a:t>
-            </a:r>
-            <a:r>
-              <a:rPr lang="en-US" dirty="0"/>
-              <a:t>. </a:t>
-            </a:r>
-          </a:p>
-          <a:p>
-            <a:pPr marL="342900" indent="-342900">
-              <a:buFont typeface="Arial" panose="020B0604020202020204" pitchFamily="34" charset="0"/>
-              <a:buChar char="•"/>
-            </a:pPr>
-            <a:r>
-              <a:rPr lang="en-US" dirty="0"/>
-              <a:t>Go through the bugs you found in the website, explain problems that the developers might run into eventually if they’re not fixed. Explain how you found them through some exploratory testing as well as through test cases. </a:t>
-            </a:r>
-          </a:p>
-          <a:p>
-            <a:pPr marL="342900" indent="-342900">
-              <a:buFont typeface="Arial" panose="020B0604020202020204" pitchFamily="34" charset="0"/>
-              <a:buChar char="•"/>
-            </a:pPr>
-            <a:r>
-              <a:rPr lang="en-US" dirty="0"/>
-              <a:t>Explain your Self-Learning portion. The use of the hacking tool Nmap to display the website vulnerabilities through open ports. Explain the problems that could develop if these were to be accessed by an unwanted party.</a:t>
-            </a:r>
-          </a:p>
-          <a:p>
-            <a:pPr marL="342900" indent="-342900">
-              <a:buFont typeface="Arial" panose="020B0604020202020204" pitchFamily="34" charset="0"/>
-              <a:buChar char="•"/>
-            </a:pPr>
-            <a:r>
-              <a:rPr lang="en-US" dirty="0"/>
-              <a:t>Conclusion: Summarize your findings in completion, then go over what tools and types of testing you’re going to continue to learn about. </a:t>
-            </a:r>
-          </a:p>
-        </p:txBody>
-      </p:sp>
-    </p:spTree>
-    <p:extLst>
-      <p:ext uri="{BB962C8B-B14F-4D97-AF65-F5344CB8AC3E}">
-        <p14:creationId xmlns:p14="http://schemas.microsoft.com/office/powerpoint/2010/main" val="3644845164"/>
-      </p:ext>
-    </p:extLst>
-  </p:cSld>
-  <p:clrMapOvr>
-    <a:masterClrMapping/>
-  </p:clrMapOvr>
-</p:sld>
-</file>
-
 <file path=ppt/slides/slide2.xml><?xml version="1.0" encoding="utf-8"?>
 <p:sld xmlns:a="http://schemas.openxmlformats.org/drawingml/2006/main" xmlns:r="http://schemas.openxmlformats.org/officeDocument/2006/relationships" xmlns:p="http://schemas.openxmlformats.org/presentationml/2006/main">
   <p:cSld>
@@ -5597,7 +5409,7 @@
             </a:pPr>
             <a:r>
               <a:rPr lang="en-US" sz="2800" dirty="0"/>
-              <a:t>15 Test Cases ran with an 80% passing rate </a:t>
+              <a:t>15 Test Cases ran with an 73% passing rate </a:t>
             </a:r>
           </a:p>
           <a:p>
@@ -7071,86 +6883,6 @@
   </p:cSld>
   <p:clrMapOvr>
     <a:overrideClrMapping bg1="dk1" tx1="lt1" bg2="dk2" tx2="lt2" accent1="accent1" accent2="accent2" accent3="accent3" accent4="accent4" accent5="accent5" accent6="accent6" hlink="hlink" folHlink="folHlink"/>
-  </p:clrMapOvr>
-</p:sld>
-</file>
-
-<file path=ppt/slides/slide9.xml><?xml version="1.0" encoding="utf-8"?>
-<p:sld xmlns:a="http://schemas.openxmlformats.org/drawingml/2006/main" xmlns:r="http://schemas.openxmlformats.org/officeDocument/2006/relationships" xmlns:p="http://schemas.openxmlformats.org/presentationml/2006/main">
-  <p:cSld>
-    <p:spTree>
-      <p:nvGrpSpPr>
-        <p:cNvPr id="1" name=""/>
-        <p:cNvGrpSpPr/>
-        <p:nvPr/>
-      </p:nvGrpSpPr>
-      <p:grpSpPr>
-        <a:xfrm>
-          <a:off x="0" y="0"/>
-          <a:ext cx="0" cy="0"/>
-          <a:chOff x="0" y="0"/>
-          <a:chExt cx="0" cy="0"/>
-        </a:xfrm>
-      </p:grpSpPr>
-      <p:sp>
-        <p:nvSpPr>
-          <p:cNvPr id="2" name="Title 1">
-            <a:extLst>
-              <a:ext uri="{FF2B5EF4-FFF2-40B4-BE49-F238E27FC236}">
-                <a16:creationId xmlns:a16="http://schemas.microsoft.com/office/drawing/2014/main" id="{D7971192-AA5B-4724-9DA7-DD29473AF0D9}"/>
-              </a:ext>
-            </a:extLst>
-          </p:cNvPr>
-          <p:cNvSpPr>
-            <a:spLocks noGrp="1"/>
-          </p:cNvSpPr>
-          <p:nvPr>
-            <p:ph type="title"/>
-          </p:nvPr>
-        </p:nvSpPr>
-        <p:spPr/>
-        <p:txBody>
-          <a:bodyPr/>
-          <a:lstStyle/>
-          <a:p>
-            <a:endParaRPr lang="en-US"/>
-          </a:p>
-        </p:txBody>
-      </p:sp>
-      <p:sp>
-        <p:nvSpPr>
-          <p:cNvPr id="3" name="Text Placeholder 2">
-            <a:extLst>
-              <a:ext uri="{FF2B5EF4-FFF2-40B4-BE49-F238E27FC236}">
-                <a16:creationId xmlns:a16="http://schemas.microsoft.com/office/drawing/2014/main" id="{92AC28F6-20FE-4F54-8B02-78AAC8376304}"/>
-              </a:ext>
-            </a:extLst>
-          </p:cNvPr>
-          <p:cNvSpPr>
-            <a:spLocks noGrp="1"/>
-          </p:cNvSpPr>
-          <p:nvPr>
-            <p:ph type="body" idx="1"/>
-          </p:nvPr>
-        </p:nvSpPr>
-        <p:spPr/>
-        <p:txBody>
-          <a:bodyPr/>
-          <a:lstStyle/>
-          <a:p>
-            <a:endParaRPr lang="en-US"/>
-          </a:p>
-        </p:txBody>
-      </p:sp>
-    </p:spTree>
-    <p:extLst>
-      <p:ext uri="{BB962C8B-B14F-4D97-AF65-F5344CB8AC3E}">
-        <p14:creationId xmlns:p14="http://schemas.microsoft.com/office/powerpoint/2010/main" val="3478936980"/>
-      </p:ext>
-    </p:extLst>
-  </p:cSld>
-  <p:clrMapOvr>
-    <a:masterClrMapping/>
   </p:clrMapOvr>
 </p:sld>
 </file>
